--- a/Interacting with SharePoint Search/Interacting with SharePoint Search.pptx
+++ b/Interacting with SharePoint Search/Interacting with SharePoint Search.pptx
@@ -234,7 +234,7 @@
           <a:p>
             <a:fld id="{312E7B4A-039C-48A2-9B2C-AF16AA3873D8}" type="datetimeFigureOut">
               <a:rPr lang="en-US" smtClean="0"/>
-              <a:t>7/19/2016</a:t>
+              <a:t>7/20/2016</a:t>
             </a:fld>
             <a:endParaRPr lang="en-US"/>
           </a:p>
@@ -399,7 +399,7 @@
           <a:p>
             <a:fld id="{DA005A0C-54D9-45AA-87D4-C551D08DFCE1}" type="datetimeFigureOut">
               <a:rPr lang="en-US" smtClean="0"/>
-              <a:t>7/19/2016</a:t>
+              <a:t>7/20/2016</a:t>
             </a:fld>
             <a:endParaRPr lang="en-US"/>
           </a:p>
@@ -7763,15 +7763,7 @@
           <a:p>
             <a:r>
               <a:rPr lang="en-US" sz="4000" dirty="0"/>
-              <a:t>SharePoint </a:t>
-            </a:r>
-            <a:r>
-              <a:rPr lang="en-US" sz="4000"/>
-              <a:t>2013 Advanced </a:t>
-            </a:r>
-            <a:r>
-              <a:rPr lang="en-US" sz="4000" dirty="0"/>
-              <a:t>Solution Development</a:t>
+              <a:t>SharePoint 2013 Advanced Solution Development</a:t>
             </a:r>
           </a:p>
         </p:txBody>
@@ -7818,13 +7810,19 @@
         </p:nvSpPr>
         <p:spPr/>
         <p:txBody>
-          <a:bodyPr/>
+          <a:bodyPr>
+            <a:normAutofit fontScale="90000"/>
+          </a:bodyPr>
           <a:lstStyle/>
           <a:p>
             <a:r>
               <a:rPr lang="en-GB" dirty="0"/>
               <a:t>KQL Operators</a:t>
             </a:r>
+            <a:br>
+              <a:rPr lang="en-GB" dirty="0"/>
+            </a:br>
+            <a:endParaRPr lang="en-GB" dirty="0"/>
           </a:p>
         </p:txBody>
       </p:sp>
@@ -7838,14 +7836,19 @@
             <p:ph sz="quarter" idx="10"/>
           </p:nvPr>
         </p:nvSpPr>
-        <p:spPr/>
+        <p:spPr>
+          <a:xfrm>
+            <a:off x="379413" y="745587"/>
+            <a:ext cx="11525250" cy="6724357"/>
+          </a:xfrm>
+        </p:spPr>
         <p:txBody>
           <a:bodyPr/>
           <a:lstStyle/>
           <a:p>
             <a:pPr lvl="0"/>
             <a:r>
-              <a:rPr lang="en-US" sz="2400" dirty="0">
+              <a:rPr lang="en-US" sz="2000" dirty="0">
                 <a:solidFill>
                   <a:srgbClr val="000000"/>
                 </a:solidFill>
@@ -7856,7 +7859,7 @@
           <a:p>
             <a:pPr lvl="0"/>
             <a:r>
-              <a:rPr lang="en-US" sz="2400" dirty="0">
+              <a:rPr lang="en-US" sz="2000" dirty="0">
                 <a:solidFill>
                   <a:srgbClr val="000000"/>
                 </a:solidFill>
@@ -7867,7 +7870,7 @@
           <a:p>
             <a:pPr lvl="0"/>
             <a:r>
-              <a:rPr lang="en-US" sz="2400" dirty="0">
+              <a:rPr lang="en-US" sz="2000" dirty="0">
                 <a:solidFill>
                   <a:srgbClr val="000000"/>
                 </a:solidFill>
@@ -7878,7 +7881,7 @@
           <a:p>
             <a:pPr lvl="1"/>
             <a:r>
-              <a:rPr lang="en-US" dirty="0">
+              <a:rPr lang="en-US" sz="2000" dirty="0">
                 <a:solidFill>
                   <a:srgbClr val="000000"/>
                 </a:solidFill>
@@ -7889,7 +7892,7 @@
           <a:p>
             <a:pPr lvl="1"/>
             <a:r>
-              <a:rPr lang="en-US" dirty="0">
+              <a:rPr lang="en-US" sz="2000" dirty="0">
                 <a:solidFill>
                   <a:srgbClr val="000000"/>
                 </a:solidFill>
@@ -7900,7 +7903,7 @@
           <a:p>
             <a:pPr lvl="1"/>
             <a:r>
-              <a:rPr lang="en-US" dirty="0">
+              <a:rPr lang="en-US" sz="2000" dirty="0">
                 <a:solidFill>
                   <a:srgbClr val="000000"/>
                 </a:solidFill>
@@ -7911,18 +7914,18 @@
           <a:p>
             <a:pPr lvl="1"/>
             <a:r>
-              <a:rPr lang="en-US" dirty="0">
+              <a:rPr lang="en-US" sz="2000" dirty="0">
                 <a:solidFill>
                   <a:srgbClr val="000000"/>
                 </a:solidFill>
               </a:rPr>
-              <a:t>Proximity (NEAR, ONEAR)</a:t>
+              <a:t>Proximity (NEAR, ONEAR) </a:t>
             </a:r>
           </a:p>
           <a:p>
             <a:pPr lvl="1"/>
             <a:r>
-              <a:rPr lang="en-US" dirty="0">
+              <a:rPr lang="en-US" sz="2000" dirty="0">
                 <a:solidFill>
                   <a:srgbClr val="000000"/>
                 </a:solidFill>
@@ -7933,7 +7936,7 @@
           <a:p>
             <a:pPr lvl="1"/>
             <a:r>
-              <a:rPr lang="en-US" dirty="0">
+              <a:rPr lang="en-US" sz="2000" dirty="0">
                 <a:solidFill>
                   <a:srgbClr val="000000"/>
                 </a:solidFill>
@@ -7944,12 +7947,34 @@
           <a:p>
             <a:pPr lvl="0"/>
             <a:r>
-              <a:rPr lang="en-US" sz="2400" dirty="0">
+              <a:rPr lang="en-US" sz="2000" dirty="0">
                 <a:solidFill>
                   <a:srgbClr val="000000"/>
                 </a:solidFill>
               </a:rPr>
               <a:t>All operators are case sensitive and must be in uppercase</a:t>
+            </a:r>
+          </a:p>
+          <a:p>
+            <a:pPr lvl="0"/>
+            <a:r>
+              <a:rPr lang="en-US" sz="2000" dirty="0">
+                <a:solidFill>
+                  <a:srgbClr val="000000"/>
+                </a:solidFill>
+              </a:rPr>
+              <a:t>NEAR(Search Microsoft SharePoint 2013 Advance Solutions =&gt; “Microsoft”)</a:t>
+            </a:r>
+          </a:p>
+          <a:p>
+            <a:pPr lvl="0"/>
+            <a:r>
+              <a:rPr lang="en-US" sz="2000" dirty="0">
+                <a:solidFill>
+                  <a:srgbClr val="000000"/>
+                </a:solidFill>
+              </a:rPr>
+              <a:t>ONEAR(Search Microsoft SharePoint 2013 Advance Solutions =&gt; “Microsoft SharePoint 2013 Advance Solutions”)</a:t>
             </a:r>
           </a:p>
         </p:txBody>
@@ -11659,18 +11684,18 @@
 </file>
 
 <file path=customXml/item1.xml><?xml version="1.0" encoding="utf-8"?>
+<p:properties xmlns:p="http://schemas.microsoft.com/office/2006/metadata/properties" xmlns:xsi="http://www.w3.org/2001/XMLSchema-instance" xmlns:pc="http://schemas.microsoft.com/office/infopath/2007/PartnerControls">
+  <documentManagement/>
+</p:properties>
+</file>
+
+<file path=customXml/item2.xml><?xml version="1.0" encoding="utf-8"?>
 <?mso-contentType ?>
 <FormTemplates xmlns="http://schemas.microsoft.com/sharepoint/v3/contenttype/forms">
   <Display>DocumentLibraryForm</Display>
   <Edit>DocumentLibraryForm</Edit>
   <New>DocumentLibraryForm</New>
 </FormTemplates>
-</file>
-
-<file path=customXml/item2.xml><?xml version="1.0" encoding="utf-8"?>
-<p:properties xmlns:p="http://schemas.microsoft.com/office/2006/metadata/properties" xmlns:xsi="http://www.w3.org/2001/XMLSchema-instance" xmlns:pc="http://schemas.microsoft.com/office/infopath/2007/PartnerControls">
-  <documentManagement/>
-</p:properties>
 </file>
 
 <file path=customXml/item3.xml><?xml version="1.0" encoding="utf-8"?>
@@ -11814,14 +11839,6 @@
 </file>
 
 <file path=customXml/itemProps1.xml><?xml version="1.0" encoding="utf-8"?>
-<ds:datastoreItem xmlns:ds="http://schemas.openxmlformats.org/officeDocument/2006/customXml" ds:itemID="{B0CA13EC-1D3C-4D6F-8D1C-E8A452CFC79A}">
-  <ds:schemaRefs>
-    <ds:schemaRef ds:uri="http://schemas.microsoft.com/sharepoint/v3/contenttype/forms"/>
-  </ds:schemaRefs>
-</ds:datastoreItem>
-</file>
-
-<file path=customXml/itemProps2.xml><?xml version="1.0" encoding="utf-8"?>
 <ds:datastoreItem xmlns:ds="http://schemas.openxmlformats.org/officeDocument/2006/customXml" ds:itemID="{7025FDD9-4C58-4084-9F89-0E6ADD6FFF55}">
   <ds:schemaRefs>
     <ds:schemaRef ds:uri="http://purl.org/dc/terms/"/>
@@ -11833,6 +11850,14 @@
     <ds:schemaRef ds:uri="http://schemas.openxmlformats.org/package/2006/metadata/core-properties"/>
     <ds:schemaRef ds:uri="http://www.w3.org/XML/1998/namespace"/>
     <ds:schemaRef ds:uri="http://purl.org/dc/dcmitype/"/>
+  </ds:schemaRefs>
+</ds:datastoreItem>
+</file>
+
+<file path=customXml/itemProps2.xml><?xml version="1.0" encoding="utf-8"?>
+<ds:datastoreItem xmlns:ds="http://schemas.openxmlformats.org/officeDocument/2006/customXml" ds:itemID="{B0CA13EC-1D3C-4D6F-8D1C-E8A452CFC79A}">
+  <ds:schemaRefs>
+    <ds:schemaRef ds:uri="http://schemas.microsoft.com/sharepoint/v3/contenttype/forms"/>
   </ds:schemaRefs>
 </ds:datastoreItem>
 </file>
